--- a/src/main/resources/models/CertificateNR12.pptx
+++ b/src/main/resources/models/CertificateNR12.pptx
@@ -7624,7 +7624,7 @@
         <p:spPr bwMode="auto">
           <a:xfrm>
             <a:off x="202530" y="1923658"/>
-            <a:ext cx="7085806" cy="2800767"/>
+            <a:ext cx="7085806" cy="2523768"/>
           </a:xfrm>
           <a:prstGeom prst="rect">
             <a:avLst/>
@@ -7884,21 +7884,10 @@
                 <a:ea typeface="Calibri" panose="020F0502020204030204" pitchFamily="34" charset="0"/>
                 <a:cs typeface="Times New Roman" panose="02020603050405020304" pitchFamily="18" charset="0"/>
               </a:rPr>
-              <a:t>portador do RG nº </a:t>
-            </a:r>
-            <a:r>
-              <a:rPr lang="pt-BR" sz="1800" dirty="0" smtClean="0">
-                <a:solidFill>
-                  <a:srgbClr val="000000"/>
-                </a:solidFill>
-                <a:latin typeface="Arial" panose="020B0604020202020204" pitchFamily="34" charset="0"/>
-                <a:ea typeface="Times New Roman" panose="02020603050405020304" pitchFamily="18" charset="0"/>
-                <a:cs typeface="Times New Roman" panose="02020603050405020304" pitchFamily="18" charset="0"/>
-              </a:rPr>
-              <a:t>{{RG}}</a:t>
-            </a:r>
-            <a:r>
-              <a:rPr lang="pt-BR" sz="1800" dirty="0" smtClean="0">
+              <a:t>portador </a:t>
+            </a:r>
+            <a:r>
+              <a:rPr lang="pt-BR" sz="1800">
                 <a:solidFill>
                   <a:srgbClr val="000000"/>
                 </a:solidFill>
@@ -7906,10 +7895,10 @@
                 <a:ea typeface="Calibri" panose="020F0502020204030204" pitchFamily="34" charset="0"/>
                 <a:cs typeface="Times New Roman" panose="02020603050405020304" pitchFamily="18" charset="0"/>
               </a:rPr>
-              <a:t> </a:t>
-            </a:r>
-            <a:r>
-              <a:rPr lang="pt-BR" sz="1800" dirty="0">
+              <a:t>do </a:t>
+            </a:r>
+            <a:r>
+              <a:rPr lang="pt-BR" sz="1800" smtClean="0">
                 <a:solidFill>
                   <a:srgbClr val="000000"/>
                 </a:solidFill>
@@ -7917,7 +7906,18 @@
                 <a:ea typeface="Calibri" panose="020F0502020204030204" pitchFamily="34" charset="0"/>
                 <a:cs typeface="Times New Roman" panose="02020603050405020304" pitchFamily="18" charset="0"/>
               </a:rPr>
-              <a:t>e CPF nº </a:t>
+              <a:t>CPF </a:t>
+            </a:r>
+            <a:r>
+              <a:rPr lang="pt-BR" sz="1800" dirty="0">
+                <a:solidFill>
+                  <a:srgbClr val="000000"/>
+                </a:solidFill>
+                <a:latin typeface="Arial" panose="020B0604020202020204" pitchFamily="34" charset="0"/>
+                <a:ea typeface="Calibri" panose="020F0502020204030204" pitchFamily="34" charset="0"/>
+                <a:cs typeface="Times New Roman" panose="02020603050405020304" pitchFamily="18" charset="0"/>
+              </a:rPr>
+              <a:t>nº </a:t>
             </a:r>
             <a:r>
               <a:rPr lang="pt-BR" sz="1800" dirty="0" smtClean="0">
@@ -8057,7 +8057,7 @@
               <a:buNone/>
             </a:pPr>
             <a:r>
-              <a:rPr lang="pt-BR" altLang="pt-BR" sz="1400">
+              <a:rPr lang="pt-BR" altLang="pt-BR" sz="1400" dirty="0">
                 <a:solidFill>
                   <a:schemeClr val="tx1"/>
                 </a:solidFill>
@@ -8066,7 +8066,7 @@
               <a:t>São </a:t>
             </a:r>
             <a:r>
-              <a:rPr lang="pt-BR" altLang="pt-BR" sz="1400" smtClean="0">
+              <a:rPr lang="pt-BR" altLang="pt-BR" sz="1400" dirty="0" smtClean="0">
                 <a:solidFill>
                   <a:schemeClr val="tx1"/>
                 </a:solidFill>
